--- a/day-3/ddd-3.pptx
+++ b/day-3/ddd-3.pptx
@@ -8,10 +8,11 @@
     <p:sldId id="256" r:id="rId2"/>
     <p:sldId id="257" r:id="rId3"/>
     <p:sldId id="263" r:id="rId4"/>
-    <p:sldId id="264" r:id="rId5"/>
-    <p:sldId id="269" r:id="rId6"/>
-    <p:sldId id="265" r:id="rId7"/>
-    <p:sldId id="262" r:id="rId8"/>
+    <p:sldId id="270" r:id="rId5"/>
+    <p:sldId id="264" r:id="rId6"/>
+    <p:sldId id="269" r:id="rId7"/>
+    <p:sldId id="265" r:id="rId8"/>
+    <p:sldId id="262" r:id="rId9"/>
   </p:sldIdLst>
   <p:sldSz cx="9144000" cy="6858000" type="screen4x3"/>
   <p:notesSz cx="6858000" cy="9144000"/>
@@ -3372,7 +3373,7 @@
             </a:r>
             <a:r>
               <a:rPr lang="en-US" dirty="0" err="1" smtClean="0"/>
-              <a:t>Dockfile</a:t>
+              <a:t>Dockerfile</a:t>
             </a:r>
             <a:r>
               <a:rPr lang="en-US" dirty="0" smtClean="0"/>
@@ -3459,12 +3460,8 @@
           <a:lstStyle/>
           <a:p>
             <a:r>
-              <a:rPr lang="en-US" dirty="0" err="1" smtClean="0"/>
-              <a:t>Docker</a:t>
-            </a:r>
-            <a:r>
               <a:rPr lang="en-US" dirty="0" smtClean="0"/>
-              <a:t> Demo</a:t>
+              <a:t>Review </a:t>
             </a:r>
             <a:endParaRPr lang="en-US" dirty="0"/>
           </a:p>
@@ -3487,51 +3484,22 @@
           <a:p>
             <a:r>
               <a:rPr lang="en-US" dirty="0" smtClean="0"/>
-              <a:t>Review last workshop </a:t>
-            </a:r>
-          </a:p>
-          <a:p>
-            <a:r>
-              <a:rPr lang="en-US" dirty="0" smtClean="0"/>
-              <a:t>Create a </a:t>
-            </a:r>
-            <a:r>
-              <a:rPr lang="en-US" dirty="0" err="1" smtClean="0"/>
-              <a:t>Dockerfile</a:t>
-            </a:r>
-            <a:endParaRPr lang="en-US" dirty="0" smtClean="0"/>
-          </a:p>
-          <a:p>
-            <a:r>
-              <a:rPr lang="en-US" dirty="0" smtClean="0"/>
-              <a:t>Mapping code only</a:t>
-            </a:r>
-          </a:p>
-          <a:p>
-            <a:r>
-              <a:rPr lang="en-US" dirty="0" smtClean="0"/>
-              <a:t>Link two containers</a:t>
-            </a:r>
+              <a:t>Your last work demo</a:t>
+            </a:r>
+            <a:endParaRPr lang="en-US" dirty="0"/>
           </a:p>
         </p:txBody>
       </p:sp>
     </p:spTree>
     <p:extLst>
       <p:ext uri="{BB962C8B-B14F-4D97-AF65-F5344CB8AC3E}">
-        <p14:creationId xmlns:p14="http://schemas.microsoft.com/office/powerpoint/2010/main" val="2091976868"/>
+        <p14:creationId xmlns:p14="http://schemas.microsoft.com/office/powerpoint/2010/main" val="1375566482"/>
       </p:ext>
     </p:extLst>
   </p:cSld>
   <p:clrMapOvr>
     <a:masterClrMapping/>
   </p:clrMapOvr>
-  <p:timing>
-    <p:tnLst>
-      <p:par>
-        <p:cTn id="1" dur="indefinite" restart="never" nodeType="tmRoot"/>
-      </p:par>
-    </p:tnLst>
-  </p:timing>
 </p:sld>
 </file>
 
@@ -3568,8 +3536,12 @@
           <a:lstStyle/>
           <a:p>
             <a:r>
+              <a:rPr lang="en-US" dirty="0" err="1" smtClean="0"/>
+              <a:t>Docker</a:t>
+            </a:r>
+            <a:r>
               <a:rPr lang="en-US" dirty="0" smtClean="0"/>
-              <a:t>Basic command line</a:t>
+              <a:t> Demo</a:t>
             </a:r>
             <a:endParaRPr lang="en-US" dirty="0"/>
           </a:p>
@@ -3590,171 +3562,38 @@
           <a:bodyPr/>
           <a:lstStyle/>
           <a:p>
-            <a:pPr marL="0" indent="0">
-              <a:buNone/>
-            </a:pPr>
             <a:r>
               <a:rPr lang="en-US" dirty="0" smtClean="0"/>
-              <a:t>Build your own images with a </a:t>
-            </a:r>
-            <a:r>
-              <a:rPr lang="en-US" dirty="0" err="1" smtClean="0">
-                <a:solidFill>
-                  <a:srgbClr val="FF0000"/>
-                </a:solidFill>
-              </a:rPr>
+              <a:t>Create </a:t>
+            </a:r>
+            <a:r>
+              <a:rPr lang="en-US" dirty="0" smtClean="0"/>
+              <a:t>a </a:t>
+            </a:r>
+            <a:r>
+              <a:rPr lang="en-US" dirty="0" err="1" smtClean="0"/>
               <a:t>Dockerfile</a:t>
             </a:r>
-            <a:endParaRPr lang="en-US" dirty="0" smtClean="0">
-              <a:solidFill>
-                <a:srgbClr val="FF0000"/>
-              </a:solidFill>
-            </a:endParaRPr>
-          </a:p>
-          <a:p>
-            <a:r>
-              <a:rPr lang="en-US" dirty="0" smtClean="0">
-                <a:solidFill>
-                  <a:srgbClr val="FF0000"/>
-                </a:solidFill>
-              </a:rPr>
-              <a:t>$ </a:t>
-            </a:r>
-            <a:r>
-              <a:rPr lang="en-US" dirty="0" err="1" smtClean="0">
-                <a:solidFill>
-                  <a:srgbClr val="FF0000"/>
-                </a:solidFill>
-              </a:rPr>
-              <a:t>docker</a:t>
-            </a:r>
-            <a:r>
-              <a:rPr lang="en-US" dirty="0" smtClean="0">
-                <a:solidFill>
-                  <a:srgbClr val="FF0000"/>
-                </a:solidFill>
-              </a:rPr>
-              <a:t> </a:t>
-            </a:r>
-            <a:r>
-              <a:rPr lang="en-US" dirty="0">
-                <a:solidFill>
-                  <a:srgbClr val="FF0000"/>
-                </a:solidFill>
-              </a:rPr>
-              <a:t>build –t </a:t>
-            </a:r>
-            <a:r>
-              <a:rPr lang="en-US" dirty="0" err="1">
-                <a:solidFill>
-                  <a:srgbClr val="FF0000"/>
-                </a:solidFill>
-              </a:rPr>
-              <a:t>image:tag</a:t>
-            </a:r>
-            <a:r>
-              <a:rPr lang="en-US" dirty="0">
-                <a:solidFill>
-                  <a:srgbClr val="FF0000"/>
-                </a:solidFill>
-              </a:rPr>
-              <a:t> </a:t>
-            </a:r>
-            <a:r>
-              <a:rPr lang="en-US" dirty="0" smtClean="0">
-                <a:solidFill>
-                  <a:srgbClr val="FF0000"/>
-                </a:solidFill>
-              </a:rPr>
-              <a:t>.</a:t>
-            </a:r>
-          </a:p>
-          <a:p>
-            <a:r>
-              <a:rPr lang="en-US" dirty="0" smtClean="0">
-                <a:solidFill>
-                  <a:srgbClr val="FF0000"/>
-                </a:solidFill>
-              </a:rPr>
-              <a:t>$ </a:t>
-            </a:r>
-            <a:r>
-              <a:rPr lang="en-US" dirty="0" err="1" smtClean="0">
-                <a:solidFill>
-                  <a:srgbClr val="FF0000"/>
-                </a:solidFill>
-              </a:rPr>
-              <a:t>docker</a:t>
-            </a:r>
-            <a:r>
-              <a:rPr lang="en-US" dirty="0" smtClean="0">
-                <a:solidFill>
-                  <a:srgbClr val="FF0000"/>
-                </a:solidFill>
-              </a:rPr>
-              <a:t> </a:t>
-            </a:r>
-            <a:r>
-              <a:rPr lang="en-US" dirty="0" smtClean="0">
-                <a:solidFill>
-                  <a:srgbClr val="FF0000"/>
-                </a:solidFill>
-              </a:rPr>
-              <a:t>images</a:t>
-            </a:r>
-          </a:p>
-          <a:p>
-            <a:r>
-              <a:rPr lang="en-US" dirty="0">
-                <a:solidFill>
-                  <a:srgbClr val="FF0000"/>
-                </a:solidFill>
-              </a:rPr>
-              <a:t>$ </a:t>
-            </a:r>
-            <a:r>
-              <a:rPr lang="en-US" dirty="0" err="1">
-                <a:solidFill>
-                  <a:srgbClr val="FF0000"/>
-                </a:solidFill>
-              </a:rPr>
-              <a:t>docker</a:t>
-            </a:r>
-            <a:r>
-              <a:rPr lang="en-US" dirty="0">
-                <a:solidFill>
-                  <a:srgbClr val="FF0000"/>
-                </a:solidFill>
-              </a:rPr>
-              <a:t> </a:t>
-            </a:r>
-            <a:r>
-              <a:rPr lang="en-US" dirty="0" smtClean="0">
-                <a:solidFill>
-                  <a:srgbClr val="FF0000"/>
-                </a:solidFill>
-              </a:rPr>
-              <a:t>run –d –p –v --link --name</a:t>
-            </a:r>
-            <a:endParaRPr lang="en-US" dirty="0">
-              <a:solidFill>
-                <a:srgbClr val="FF0000"/>
-              </a:solidFill>
-            </a:endParaRPr>
-          </a:p>
-          <a:p>
-            <a:endParaRPr lang="en-US" dirty="0" smtClean="0">
-              <a:solidFill>
-                <a:srgbClr val="FF0000"/>
-              </a:solidFill>
-            </a:endParaRPr>
+            <a:endParaRPr lang="en-US" dirty="0" smtClean="0"/>
+          </a:p>
+          <a:p>
+            <a:r>
+              <a:rPr lang="en-US" dirty="0" smtClean="0"/>
+              <a:t>Mapping code only</a:t>
+            </a:r>
+          </a:p>
+          <a:p>
+            <a:r>
+              <a:rPr lang="en-US" dirty="0" smtClean="0"/>
+              <a:t>Link two containers</a:t>
+            </a:r>
           </a:p>
         </p:txBody>
       </p:sp>
     </p:spTree>
     <p:extLst>
       <p:ext uri="{BB962C8B-B14F-4D97-AF65-F5344CB8AC3E}">
-        <p14:creationId xmlns:p14="http://schemas.microsoft.com/office/powerpoint/2010/main" val="2094053655"/>
+        <p14:creationId xmlns:p14="http://schemas.microsoft.com/office/powerpoint/2010/main" val="2091976868"/>
       </p:ext>
     </p:extLst>
   </p:cSld>
@@ -3804,6 +3643,242 @@
           <a:lstStyle/>
           <a:p>
             <a:r>
+              <a:rPr lang="en-US" dirty="0" smtClean="0"/>
+              <a:t>Basic command line</a:t>
+            </a:r>
+            <a:endParaRPr lang="en-US" dirty="0"/>
+          </a:p>
+        </p:txBody>
+      </p:sp>
+      <p:sp>
+        <p:nvSpPr>
+          <p:cNvPr id="3" name="Content Placeholder 2"/>
+          <p:cNvSpPr>
+            <a:spLocks noGrp="1"/>
+          </p:cNvSpPr>
+          <p:nvPr>
+            <p:ph idx="1"/>
+          </p:nvPr>
+        </p:nvSpPr>
+        <p:spPr/>
+        <p:txBody>
+          <a:bodyPr/>
+          <a:lstStyle/>
+          <a:p>
+            <a:pPr marL="0" indent="0">
+              <a:buNone/>
+            </a:pPr>
+            <a:r>
+              <a:rPr lang="en-US" dirty="0" smtClean="0"/>
+              <a:t>Build your own images with a </a:t>
+            </a:r>
+            <a:r>
+              <a:rPr lang="en-US" dirty="0" err="1" smtClean="0">
+                <a:solidFill>
+                  <a:srgbClr val="FF0000"/>
+                </a:solidFill>
+              </a:rPr>
+              <a:t>Dockerfile</a:t>
+            </a:r>
+            <a:endParaRPr lang="en-US" dirty="0" smtClean="0">
+              <a:solidFill>
+                <a:srgbClr val="FF0000"/>
+              </a:solidFill>
+            </a:endParaRPr>
+          </a:p>
+          <a:p>
+            <a:r>
+              <a:rPr lang="en-US" dirty="0" smtClean="0">
+                <a:solidFill>
+                  <a:srgbClr val="FF0000"/>
+                </a:solidFill>
+              </a:rPr>
+              <a:t>$ </a:t>
+            </a:r>
+            <a:r>
+              <a:rPr lang="en-US" dirty="0" err="1" smtClean="0">
+                <a:solidFill>
+                  <a:srgbClr val="FF0000"/>
+                </a:solidFill>
+              </a:rPr>
+              <a:t>docker</a:t>
+            </a:r>
+            <a:r>
+              <a:rPr lang="en-US" dirty="0" smtClean="0">
+                <a:solidFill>
+                  <a:srgbClr val="FF0000"/>
+                </a:solidFill>
+              </a:rPr>
+              <a:t> </a:t>
+            </a:r>
+            <a:r>
+              <a:rPr lang="en-US" dirty="0">
+                <a:solidFill>
+                  <a:srgbClr val="FF0000"/>
+                </a:solidFill>
+              </a:rPr>
+              <a:t>build –t </a:t>
+            </a:r>
+            <a:r>
+              <a:rPr lang="en-US" dirty="0" err="1">
+                <a:solidFill>
+                  <a:srgbClr val="FF0000"/>
+                </a:solidFill>
+              </a:rPr>
+              <a:t>image:tag</a:t>
+            </a:r>
+            <a:r>
+              <a:rPr lang="en-US" dirty="0">
+                <a:solidFill>
+                  <a:srgbClr val="FF0000"/>
+                </a:solidFill>
+              </a:rPr>
+              <a:t> </a:t>
+            </a:r>
+            <a:r>
+              <a:rPr lang="en-US" dirty="0" smtClean="0">
+                <a:solidFill>
+                  <a:srgbClr val="FF0000"/>
+                </a:solidFill>
+              </a:rPr>
+              <a:t>.</a:t>
+            </a:r>
+          </a:p>
+          <a:p>
+            <a:r>
+              <a:rPr lang="en-US" dirty="0" smtClean="0">
+                <a:solidFill>
+                  <a:srgbClr val="FF0000"/>
+                </a:solidFill>
+              </a:rPr>
+              <a:t>$ </a:t>
+            </a:r>
+            <a:r>
+              <a:rPr lang="en-US" dirty="0" err="1">
+                <a:solidFill>
+                  <a:srgbClr val="FF0000"/>
+                </a:solidFill>
+              </a:rPr>
+              <a:t>docker</a:t>
+            </a:r>
+            <a:r>
+              <a:rPr lang="en-US" dirty="0">
+                <a:solidFill>
+                  <a:srgbClr val="FF0000"/>
+                </a:solidFill>
+              </a:rPr>
+              <a:t> </a:t>
+            </a:r>
+            <a:r>
+              <a:rPr lang="en-US" dirty="0" smtClean="0">
+                <a:solidFill>
+                  <a:srgbClr val="FF0000"/>
+                </a:solidFill>
+              </a:rPr>
+              <a:t>run –d –p –v --link –name</a:t>
+            </a:r>
+          </a:p>
+          <a:p>
+            <a:r>
+              <a:rPr lang="en-US" dirty="0" smtClean="0">
+                <a:solidFill>
+                  <a:srgbClr val="FF0000"/>
+                </a:solidFill>
+              </a:rPr>
+              <a:t>$ </a:t>
+            </a:r>
+            <a:r>
+              <a:rPr lang="en-US" dirty="0" err="1" smtClean="0">
+                <a:solidFill>
+                  <a:srgbClr val="FF0000"/>
+                </a:solidFill>
+              </a:rPr>
+              <a:t>docker</a:t>
+            </a:r>
+            <a:r>
+              <a:rPr lang="en-US" dirty="0" smtClean="0">
+                <a:solidFill>
+                  <a:srgbClr val="FF0000"/>
+                </a:solidFill>
+              </a:rPr>
+              <a:t> inspect </a:t>
+            </a:r>
+            <a:r>
+              <a:rPr lang="en-US" dirty="0" err="1" smtClean="0">
+                <a:solidFill>
+                  <a:srgbClr val="FF0000"/>
+                </a:solidFill>
+              </a:rPr>
+              <a:t>container_ID</a:t>
+            </a:r>
+            <a:endParaRPr lang="en-US" dirty="0">
+              <a:solidFill>
+                <a:srgbClr val="FF0000"/>
+              </a:solidFill>
+            </a:endParaRPr>
+          </a:p>
+          <a:p>
+            <a:endParaRPr lang="en-US" dirty="0" smtClean="0">
+              <a:solidFill>
+                <a:srgbClr val="FF0000"/>
+              </a:solidFill>
+            </a:endParaRPr>
+          </a:p>
+        </p:txBody>
+      </p:sp>
+    </p:spTree>
+    <p:extLst>
+      <p:ext uri="{BB962C8B-B14F-4D97-AF65-F5344CB8AC3E}">
+        <p14:creationId xmlns:p14="http://schemas.microsoft.com/office/powerpoint/2010/main" val="2094053655"/>
+      </p:ext>
+    </p:extLst>
+  </p:cSld>
+  <p:clrMapOvr>
+    <a:masterClrMapping/>
+  </p:clrMapOvr>
+  <p:timing>
+    <p:tnLst>
+      <p:par>
+        <p:cTn id="1" dur="indefinite" restart="never" nodeType="tmRoot"/>
+      </p:par>
+    </p:tnLst>
+  </p:timing>
+</p:sld>
+</file>
+
+<file path=ppt/slides/slide7.xml><?xml version="1.0" encoding="utf-8"?>
+<p:sld xmlns:a="http://schemas.openxmlformats.org/drawingml/2006/main" xmlns:r="http://schemas.openxmlformats.org/officeDocument/2006/relationships" xmlns:p="http://schemas.openxmlformats.org/presentationml/2006/main">
+  <p:cSld>
+    <p:spTree>
+      <p:nvGrpSpPr>
+        <p:cNvPr id="1" name=""/>
+        <p:cNvGrpSpPr/>
+        <p:nvPr/>
+      </p:nvGrpSpPr>
+      <p:grpSpPr>
+        <a:xfrm>
+          <a:off x="0" y="0"/>
+          <a:ext cx="0" cy="0"/>
+          <a:chOff x="0" y="0"/>
+          <a:chExt cx="0" cy="0"/>
+        </a:xfrm>
+      </p:grpSpPr>
+      <p:sp>
+        <p:nvSpPr>
+          <p:cNvPr id="2" name="Title 1"/>
+          <p:cNvSpPr>
+            <a:spLocks noGrp="1"/>
+          </p:cNvSpPr>
+          <p:nvPr>
+            <p:ph type="title"/>
+          </p:nvPr>
+        </p:nvSpPr>
+        <p:spPr/>
+        <p:txBody>
+          <a:bodyPr/>
+          <a:lstStyle/>
+          <a:p>
+            <a:r>
               <a:rPr lang="en-US" dirty="0" err="1"/>
               <a:t>H</a:t>
             </a:r>
@@ -3870,7 +3945,7 @@
 </p:sld>
 </file>
 
-<file path=ppt/slides/slide7.xml><?xml version="1.0" encoding="utf-8"?>
+<file path=ppt/slides/slide8.xml><?xml version="1.0" encoding="utf-8"?>
 <p:sld xmlns:a="http://schemas.openxmlformats.org/drawingml/2006/main" xmlns:r="http://schemas.openxmlformats.org/officeDocument/2006/relationships" xmlns:p="http://schemas.openxmlformats.org/presentationml/2006/main">
   <p:cSld>
     <p:spTree>

--- a/day-3/ddd-3.pptx
+++ b/day-3/ddd-3.pptx
@@ -311,7 +311,7 @@
           <a:p>
             <a:fld id="{03683205-7DCF-9447-B5AB-22DFE12CC2DE}" type="datetimeFigureOut">
               <a:rPr lang="en-US" smtClean="0"/>
-              <a:t>8/3/16</a:t>
+              <a:t>8/5/16</a:t>
             </a:fld>
             <a:endParaRPr lang="en-US"/>
           </a:p>
@@ -481,7 +481,7 @@
           <a:p>
             <a:fld id="{03683205-7DCF-9447-B5AB-22DFE12CC2DE}" type="datetimeFigureOut">
               <a:rPr lang="en-US" smtClean="0"/>
-              <a:t>8/3/16</a:t>
+              <a:t>8/5/16</a:t>
             </a:fld>
             <a:endParaRPr lang="en-US"/>
           </a:p>
@@ -661,7 +661,7 @@
           <a:p>
             <a:fld id="{03683205-7DCF-9447-B5AB-22DFE12CC2DE}" type="datetimeFigureOut">
               <a:rPr lang="en-US" smtClean="0"/>
-              <a:t>8/3/16</a:t>
+              <a:t>8/5/16</a:t>
             </a:fld>
             <a:endParaRPr lang="en-US"/>
           </a:p>
@@ -831,7 +831,7 @@
           <a:p>
             <a:fld id="{03683205-7DCF-9447-B5AB-22DFE12CC2DE}" type="datetimeFigureOut">
               <a:rPr lang="en-US" smtClean="0"/>
-              <a:t>8/3/16</a:t>
+              <a:t>8/5/16</a:t>
             </a:fld>
             <a:endParaRPr lang="en-US"/>
           </a:p>
@@ -1077,7 +1077,7 @@
           <a:p>
             <a:fld id="{03683205-7DCF-9447-B5AB-22DFE12CC2DE}" type="datetimeFigureOut">
               <a:rPr lang="en-US" smtClean="0"/>
-              <a:t>8/3/16</a:t>
+              <a:t>8/5/16</a:t>
             </a:fld>
             <a:endParaRPr lang="en-US"/>
           </a:p>
@@ -1365,7 +1365,7 @@
           <a:p>
             <a:fld id="{03683205-7DCF-9447-B5AB-22DFE12CC2DE}" type="datetimeFigureOut">
               <a:rPr lang="en-US" smtClean="0"/>
-              <a:t>8/3/16</a:t>
+              <a:t>8/5/16</a:t>
             </a:fld>
             <a:endParaRPr lang="en-US"/>
           </a:p>
@@ -1787,7 +1787,7 @@
           <a:p>
             <a:fld id="{03683205-7DCF-9447-B5AB-22DFE12CC2DE}" type="datetimeFigureOut">
               <a:rPr lang="en-US" smtClean="0"/>
-              <a:t>8/3/16</a:t>
+              <a:t>8/5/16</a:t>
             </a:fld>
             <a:endParaRPr lang="en-US"/>
           </a:p>
@@ -1905,7 +1905,7 @@
           <a:p>
             <a:fld id="{03683205-7DCF-9447-B5AB-22DFE12CC2DE}" type="datetimeFigureOut">
               <a:rPr lang="en-US" smtClean="0"/>
-              <a:t>8/3/16</a:t>
+              <a:t>8/5/16</a:t>
             </a:fld>
             <a:endParaRPr lang="en-US"/>
           </a:p>
@@ -2000,7 +2000,7 @@
           <a:p>
             <a:fld id="{03683205-7DCF-9447-B5AB-22DFE12CC2DE}" type="datetimeFigureOut">
               <a:rPr lang="en-US" smtClean="0"/>
-              <a:t>8/3/16</a:t>
+              <a:t>8/5/16</a:t>
             </a:fld>
             <a:endParaRPr lang="en-US"/>
           </a:p>
@@ -2277,7 +2277,7 @@
           <a:p>
             <a:fld id="{03683205-7DCF-9447-B5AB-22DFE12CC2DE}" type="datetimeFigureOut">
               <a:rPr lang="en-US" smtClean="0"/>
-              <a:t>8/3/16</a:t>
+              <a:t>8/5/16</a:t>
             </a:fld>
             <a:endParaRPr lang="en-US"/>
           </a:p>
@@ -2530,7 +2530,7 @@
           <a:p>
             <a:fld id="{03683205-7DCF-9447-B5AB-22DFE12CC2DE}" type="datetimeFigureOut">
               <a:rPr lang="en-US" smtClean="0"/>
-              <a:t>8/3/16</a:t>
+              <a:t>8/5/16</a:t>
             </a:fld>
             <a:endParaRPr lang="en-US"/>
           </a:p>
@@ -2743,7 +2743,7 @@
           <a:p>
             <a:fld id="{03683205-7DCF-9447-B5AB-22DFE12CC2DE}" type="datetimeFigureOut">
               <a:rPr lang="en-US" smtClean="0"/>
-              <a:t>8/3/16</a:t>
+              <a:t>8/5/16</a:t>
             </a:fld>
             <a:endParaRPr lang="en-US"/>
           </a:p>
@@ -3146,11 +3146,7 @@
             </a:br>
             <a:r>
               <a:rPr lang="en-US" dirty="0" smtClean="0"/>
-              <a:t>Workshop </a:t>
-            </a:r>
-            <a:r>
-              <a:rPr lang="en-US" dirty="0" smtClean="0"/>
-              <a:t>3/4</a:t>
+              <a:t>Workshop 3/4</a:t>
             </a:r>
             <a:endParaRPr lang="en-US" dirty="0"/>
           </a:p>
@@ -3272,11 +3268,7 @@
           <a:p>
             <a:r>
               <a:rPr lang="en-US" dirty="0" smtClean="0"/>
-              <a:t>Dev </a:t>
-            </a:r>
-            <a:r>
-              <a:rPr lang="en-US" dirty="0" smtClean="0"/>
-              <a:t>demo</a:t>
+              <a:t>Dev demo</a:t>
             </a:r>
           </a:p>
           <a:p>
@@ -3379,7 +3371,6 @@
               <a:rPr lang="en-US" dirty="0" smtClean="0"/>
               <a:t> for Node</a:t>
             </a:r>
-            <a:endParaRPr lang="en-US" dirty="0" smtClean="0"/>
           </a:p>
           <a:p>
             <a:r>
@@ -3397,7 +3388,6 @@
               <a:rPr lang="en-US" dirty="0" smtClean="0"/>
               <a:t>Combine web &amp; backend service working together</a:t>
             </a:r>
-            <a:endParaRPr lang="en-US" dirty="0" smtClean="0"/>
           </a:p>
           <a:p>
             <a:pPr marL="0" indent="0" algn="ctr">
@@ -3484,7 +3474,15 @@
           <a:p>
             <a:r>
               <a:rPr lang="en-US" dirty="0" smtClean="0"/>
-              <a:t>Your last work demo</a:t>
+              <a:t>Your </a:t>
+            </a:r>
+            <a:r>
+              <a:rPr lang="en-US" dirty="0" smtClean="0"/>
+              <a:t>last week </a:t>
+            </a:r>
+            <a:r>
+              <a:rPr lang="en-US" dirty="0" smtClean="0"/>
+              <a:t>work demo</a:t>
             </a:r>
             <a:endParaRPr lang="en-US" dirty="0"/>
           </a:p>
@@ -3561,6 +3559,21 @@
         <p:txBody>
           <a:bodyPr/>
           <a:lstStyle/>
+          <a:p>
+            <a:r>
+              <a:rPr lang="en-US" dirty="0" err="1" smtClean="0"/>
+              <a:t>Docker</a:t>
+            </a:r>
+            <a:r>
+              <a:rPr lang="en-US" dirty="0" err="1" smtClean="0"/>
+              <a:t>file</a:t>
+            </a:r>
+            <a:r>
+              <a:rPr lang="en-US" smtClean="0"/>
+              <a:t> for Node</a:t>
+            </a:r>
+            <a:endParaRPr lang="en-US" smtClean="0"/>
+          </a:p>
           <a:p>
             <a:r>
               <a:rPr lang="en-US" dirty="0" smtClean="0"/>
@@ -3907,15 +3920,7 @@
           <a:p>
             <a:r>
               <a:rPr lang="en-US" dirty="0" smtClean="0"/>
-              <a:t>Complete your </a:t>
-            </a:r>
-            <a:r>
-              <a:rPr lang="en-US" dirty="0" smtClean="0"/>
-              <a:t>backend service </a:t>
-            </a:r>
-            <a:r>
-              <a:rPr lang="en-US" dirty="0" smtClean="0"/>
-              <a:t>run in </a:t>
+              <a:t>Complete your backend service run in </a:t>
             </a:r>
             <a:r>
               <a:rPr lang="en-US" dirty="0" err="1" smtClean="0"/>
@@ -4004,7 +4009,6 @@
               <a:rPr lang="en-US" dirty="0" smtClean="0"/>
               <a:t>QA</a:t>
             </a:r>
-            <a:endParaRPr lang="en-US" dirty="0" smtClean="0"/>
           </a:p>
         </p:txBody>
       </p:sp>
